--- a/R.jpeg_with_methods.pptx
+++ b/R.jpeg_with_methods.pptx
@@ -8,6 +8,7 @@
     <p:sldId id="256" r:id="rId2"/>
     <p:sldId id="258" r:id="rId3"/>
     <p:sldId id="257" r:id="rId4"/>
+    <p:sldId id="259" r:id="rId5"/>
   </p:sldIdLst>
   <p:sldSz cx="12192000" cy="6858000"/>
   <p:notesSz cx="6858000" cy="9144000"/>
@@ -117,7 +118,7 @@
 <file path=ppt/revisionInfo.xml><?xml version="1.0" encoding="utf-8"?>
 <p1510:revInfo xmlns:a="http://schemas.openxmlformats.org/drawingml/2006/main" xmlns:r="http://schemas.openxmlformats.org/officeDocument/2006/relationships" xmlns:p1510="http://schemas.microsoft.com/office/powerpoint/2015/10/main">
   <p1510:revLst>
-    <p1510:client id="{97142EA6-B62B-45B9-99A0-53A46E66ECDC}" v="3" dt="2023-03-23T11:46:58.428"/>
+    <p1510:client id="{97142EA6-B62B-45B9-99A0-53A46E66ECDC}" v="203" dt="2023-03-24T07:29:19.337"/>
   </p1510:revLst>
 </p1510:revInfo>
 </file>
@@ -126,19 +127,19 @@
 <pc:chgInfo xmlns:a="http://schemas.openxmlformats.org/drawingml/2006/main" xmlns:r="http://schemas.openxmlformats.org/officeDocument/2006/relationships" xmlns:ac="http://schemas.microsoft.com/office/drawing/2013/main/command" xmlns:pc="http://schemas.microsoft.com/office/powerpoint/2013/main/command">
   <pc:docChgLst>
     <pc:chgData name="Benjamin Strusch" userId="d4ceea4940c51958" providerId="LiveId" clId="{97142EA6-B62B-45B9-99A0-53A46E66ECDC}"/>
-    <pc:docChg chg="custSel modSld">
-      <pc:chgData name="Benjamin Strusch" userId="d4ceea4940c51958" providerId="LiveId" clId="{97142EA6-B62B-45B9-99A0-53A46E66ECDC}" dt="2023-03-23T11:47:13.628" v="17" actId="14100"/>
+    <pc:docChg chg="custSel addSld modSld">
+      <pc:chgData name="Benjamin Strusch" userId="d4ceea4940c51958" providerId="LiveId" clId="{97142EA6-B62B-45B9-99A0-53A46E66ECDC}" dt="2023-03-24T07:29:19.336" v="277" actId="20577"/>
       <pc:docMkLst>
         <pc:docMk/>
       </pc:docMkLst>
       <pc:sldChg chg="addSp delSp modSp mod">
-        <pc:chgData name="Benjamin Strusch" userId="d4ceea4940c51958" providerId="LiveId" clId="{97142EA6-B62B-45B9-99A0-53A46E66ECDC}" dt="2023-03-23T11:47:13.628" v="17" actId="14100"/>
+        <pc:chgData name="Benjamin Strusch" userId="d4ceea4940c51958" providerId="LiveId" clId="{97142EA6-B62B-45B9-99A0-53A46E66ECDC}" dt="2023-03-24T07:25:28.734" v="46" actId="14100"/>
         <pc:sldMkLst>
           <pc:docMk/>
           <pc:sldMk cId="3595903169" sldId="257"/>
         </pc:sldMkLst>
         <pc:picChg chg="add mod">
-          <ac:chgData name="Benjamin Strusch" userId="d4ceea4940c51958" providerId="LiveId" clId="{97142EA6-B62B-45B9-99A0-53A46E66ECDC}" dt="2023-03-23T11:45:31.516" v="6" actId="14100"/>
+          <ac:chgData name="Benjamin Strusch" userId="d4ceea4940c51958" providerId="LiveId" clId="{97142EA6-B62B-45B9-99A0-53A46E66ECDC}" dt="2023-03-24T07:25:28.734" v="46" actId="14100"/>
           <ac:picMkLst>
             <pc:docMk/>
             <pc:sldMk cId="3595903169" sldId="257"/>
@@ -161,6 +162,92 @@
             <ac:picMk id="9" creationId="{BC41EF74-4FCC-A40E-CE42-45AAFAB34863}"/>
           </ac:picMkLst>
         </pc:picChg>
+      </pc:sldChg>
+      <pc:sldChg chg="modSp">
+        <pc:chgData name="Benjamin Strusch" userId="d4ceea4940c51958" providerId="LiveId" clId="{97142EA6-B62B-45B9-99A0-53A46E66ECDC}" dt="2023-03-24T07:29:19.336" v="277" actId="20577"/>
+        <pc:sldMkLst>
+          <pc:docMk/>
+          <pc:sldMk cId="1790380873" sldId="258"/>
+        </pc:sldMkLst>
+        <pc:graphicFrameChg chg="mod">
+          <ac:chgData name="Benjamin Strusch" userId="d4ceea4940c51958" providerId="LiveId" clId="{97142EA6-B62B-45B9-99A0-53A46E66ECDC}" dt="2023-03-24T07:29:19.336" v="277" actId="20577"/>
+          <ac:graphicFrameMkLst>
+            <pc:docMk/>
+            <pc:sldMk cId="1790380873" sldId="258"/>
+            <ac:graphicFrameMk id="28" creationId="{FE778E6B-BD1E-9801-7E0E-9EB427EB711C}"/>
+          </ac:graphicFrameMkLst>
+        </pc:graphicFrameChg>
+      </pc:sldChg>
+      <pc:sldChg chg="addSp modSp new mod setBg">
+        <pc:chgData name="Benjamin Strusch" userId="d4ceea4940c51958" providerId="LiveId" clId="{97142EA6-B62B-45B9-99A0-53A46E66ECDC}" dt="2023-03-24T07:27:04.644" v="106" actId="14100"/>
+        <pc:sldMkLst>
+          <pc:docMk/>
+          <pc:sldMk cId="3531093916" sldId="259"/>
+        </pc:sldMkLst>
+        <pc:spChg chg="mod">
+          <ac:chgData name="Benjamin Strusch" userId="d4ceea4940c51958" providerId="LiveId" clId="{97142EA6-B62B-45B9-99A0-53A46E66ECDC}" dt="2023-03-24T07:26:42.326" v="103" actId="14100"/>
+          <ac:spMkLst>
+            <pc:docMk/>
+            <pc:sldMk cId="3531093916" sldId="259"/>
+            <ac:spMk id="2" creationId="{EBF9F182-8CEC-9758-F3EE-14AC6C5787B6}"/>
+          </ac:spMkLst>
+        </pc:spChg>
+        <pc:spChg chg="add">
+          <ac:chgData name="Benjamin Strusch" userId="d4ceea4940c51958" providerId="LiveId" clId="{97142EA6-B62B-45B9-99A0-53A46E66ECDC}" dt="2023-03-24T07:26:32.310" v="101" actId="26606"/>
+          <ac:spMkLst>
+            <pc:docMk/>
+            <pc:sldMk cId="3531093916" sldId="259"/>
+            <ac:spMk id="11" creationId="{158B3569-73B2-4D05-8E95-886A6EE17F1F}"/>
+          </ac:spMkLst>
+        </pc:spChg>
+        <pc:spChg chg="add">
+          <ac:chgData name="Benjamin Strusch" userId="d4ceea4940c51958" providerId="LiveId" clId="{97142EA6-B62B-45B9-99A0-53A46E66ECDC}" dt="2023-03-24T07:26:32.310" v="101" actId="26606"/>
+          <ac:spMkLst>
+            <pc:docMk/>
+            <pc:sldMk cId="3531093916" sldId="259"/>
+            <ac:spMk id="13" creationId="{B71758F4-3F46-45DA-8AC5-4E508DA080BA}"/>
+          </ac:spMkLst>
+        </pc:spChg>
+        <pc:spChg chg="add">
+          <ac:chgData name="Benjamin Strusch" userId="d4ceea4940c51958" providerId="LiveId" clId="{97142EA6-B62B-45B9-99A0-53A46E66ECDC}" dt="2023-03-24T07:26:32.310" v="101" actId="26606"/>
+          <ac:spMkLst>
+            <pc:docMk/>
+            <pc:sldMk cId="3531093916" sldId="259"/>
+            <ac:spMk id="15" creationId="{8550FED7-7C32-42BB-98DB-30272A6331A9}"/>
+          </ac:spMkLst>
+        </pc:spChg>
+        <pc:spChg chg="add">
+          <ac:chgData name="Benjamin Strusch" userId="d4ceea4940c51958" providerId="LiveId" clId="{97142EA6-B62B-45B9-99A0-53A46E66ECDC}" dt="2023-03-24T07:26:32.310" v="101" actId="26606"/>
+          <ac:spMkLst>
+            <pc:docMk/>
+            <pc:sldMk cId="3531093916" sldId="259"/>
+            <ac:spMk id="17" creationId="{8D61482F-F3C5-4D66-8C5D-C6BBE3E1275C}"/>
+          </ac:spMkLst>
+        </pc:spChg>
+        <pc:picChg chg="add mod">
+          <ac:chgData name="Benjamin Strusch" userId="d4ceea4940c51958" providerId="LiveId" clId="{97142EA6-B62B-45B9-99A0-53A46E66ECDC}" dt="2023-03-24T07:27:04.644" v="106" actId="14100"/>
+          <ac:picMkLst>
+            <pc:docMk/>
+            <pc:sldMk cId="3531093916" sldId="259"/>
+            <ac:picMk id="4" creationId="{94038461-BAA5-4FE8-C949-2D1CF47B840F}"/>
+          </ac:picMkLst>
+        </pc:picChg>
+        <pc:cxnChg chg="add">
+          <ac:chgData name="Benjamin Strusch" userId="d4ceea4940c51958" providerId="LiveId" clId="{97142EA6-B62B-45B9-99A0-53A46E66ECDC}" dt="2023-03-24T07:26:32.310" v="101" actId="26606"/>
+          <ac:cxnSpMkLst>
+            <pc:docMk/>
+            <pc:sldMk cId="3531093916" sldId="259"/>
+            <ac:cxnSpMk id="9" creationId="{D1B787A8-0D67-4B7E-9B48-86BD906AB6B5}"/>
+          </ac:cxnSpMkLst>
+        </pc:cxnChg>
+        <pc:cxnChg chg="add">
+          <ac:chgData name="Benjamin Strusch" userId="d4ceea4940c51958" providerId="LiveId" clId="{97142EA6-B62B-45B9-99A0-53A46E66ECDC}" dt="2023-03-24T07:26:32.310" v="101" actId="26606"/>
+          <ac:cxnSpMkLst>
+            <pc:docMk/>
+            <pc:sldMk cId="3531093916" sldId="259"/>
+            <ac:cxnSpMk id="19" creationId="{56020367-4FD5-4596-8E10-C5F095CD8DBF}"/>
+          </ac:cxnSpMkLst>
+        </pc:cxnChg>
       </pc:sldChg>
     </pc:docChg>
   </pc:docChgLst>
@@ -953,7 +1040,7 @@
 <dgm:dataModel xmlns:dgm="http://schemas.openxmlformats.org/drawingml/2006/diagram" xmlns:a="http://schemas.openxmlformats.org/drawingml/2006/main">
   <dgm:ptLst>
     <dgm:pt modelId="{652BD4FF-376B-4ECF-91FC-B337DDE52216}" type="doc">
-      <dgm:prSet loTypeId="urn:microsoft.com/office/officeart/2005/8/layout/process4" loCatId="process" qsTypeId="urn:microsoft.com/office/officeart/2005/8/quickstyle/simple1" qsCatId="simple" csTypeId="urn:microsoft.com/office/officeart/2005/8/colors/colorful2" csCatId="colorful"/>
+      <dgm:prSet loTypeId="urn:microsoft.com/office/officeart/2005/8/layout/process4" loCatId="process" qsTypeId="urn:microsoft.com/office/officeart/2005/8/quickstyle/simple1" qsCatId="simple" csTypeId="urn:microsoft.com/office/officeart/2005/8/colors/colorful2" csCatId="colorful" phldr="1"/>
       <dgm:spPr/>
       <dgm:t>
         <a:bodyPr/>
@@ -1045,20 +1132,24 @@
         <a:lstStyle/>
         <a:p>
           <a:r>
-            <a:rPr lang="de-DE"/>
-            <a:t>X </a:t>
+            <a:rPr lang="de-DE" dirty="0"/>
+            <a:t>X (IV) </a:t>
           </a:r>
           <a:r>
-            <a:rPr lang="de-DE">
+            <a:rPr lang="de-DE" dirty="0">
               <a:sym typeface="Wingdings" panose="05000000000000000000" pitchFamily="2" charset="2"/>
             </a:rPr>
             <a:t></a:t>
           </a:r>
           <a:r>
-            <a:rPr lang="de-DE"/>
-            <a:t> Stringency</a:t>
+            <a:rPr lang="de-DE" dirty="0"/>
+            <a:t> </a:t>
           </a:r>
-          <a:endParaRPr lang="en-US"/>
+          <a:r>
+            <a:rPr lang="de-DE" dirty="0" err="1"/>
+            <a:t>Stringency</a:t>
+          </a:r>
+          <a:endParaRPr lang="en-US" dirty="0"/>
         </a:p>
       </dgm:t>
     </dgm:pt>
@@ -1092,20 +1183,44 @@
         <a:lstStyle/>
         <a:p>
           <a:r>
-            <a:rPr lang="de-DE"/>
-            <a:t>Y </a:t>
+            <a:rPr lang="de-DE" dirty="0"/>
+            <a:t>Y(DV) </a:t>
           </a:r>
           <a:r>
-            <a:rPr lang="de-DE">
+            <a:rPr lang="de-DE" dirty="0">
               <a:sym typeface="Wingdings" panose="05000000000000000000" pitchFamily="2" charset="2"/>
             </a:rPr>
             <a:t></a:t>
           </a:r>
           <a:r>
-            <a:rPr lang="de-DE"/>
-            <a:t> Covid-19 Deaths (total or percentage)</a:t>
+            <a:rPr lang="de-DE" dirty="0"/>
+            <a:t> Covid-19 </a:t>
           </a:r>
-          <a:endParaRPr lang="en-US"/>
+          <a:r>
+            <a:rPr lang="de-DE" dirty="0" err="1"/>
+            <a:t>Deaths</a:t>
+          </a:r>
+          <a:r>
+            <a:rPr lang="de-DE" dirty="0"/>
+            <a:t> (total </a:t>
+          </a:r>
+          <a:r>
+            <a:rPr lang="de-DE" dirty="0" err="1"/>
+            <a:t>or</a:t>
+          </a:r>
+          <a:r>
+            <a:rPr lang="de-DE" dirty="0"/>
+            <a:t> </a:t>
+          </a:r>
+          <a:r>
+            <a:rPr lang="de-DE" dirty="0" err="1"/>
+            <a:t>percentage</a:t>
+          </a:r>
+          <a:r>
+            <a:rPr lang="de-DE" dirty="0"/>
+            <a:t>)</a:t>
+          </a:r>
+          <a:endParaRPr lang="en-US" dirty="0"/>
         </a:p>
       </dgm:t>
     </dgm:pt>
@@ -1139,20 +1254,28 @@
         <a:lstStyle/>
         <a:p>
           <a:r>
-            <a:rPr lang="de-DE"/>
+            <a:rPr lang="de-DE" dirty="0"/>
             <a:t>Moderators </a:t>
           </a:r>
           <a:r>
-            <a:rPr lang="de-DE">
+            <a:rPr lang="de-DE" dirty="0">
               <a:sym typeface="Wingdings" panose="05000000000000000000" pitchFamily="2" charset="2"/>
             </a:rPr>
             <a:t></a:t>
           </a:r>
           <a:r>
-            <a:rPr lang="de-DE"/>
-            <a:t> Happiness &amp; GDP</a:t>
+            <a:rPr lang="de-DE" dirty="0"/>
+            <a:t> </a:t>
           </a:r>
-          <a:endParaRPr lang="en-US"/>
+          <a:r>
+            <a:rPr lang="de-DE" dirty="0" err="1"/>
+            <a:t>Happiness</a:t>
+          </a:r>
+          <a:r>
+            <a:rPr lang="de-DE" dirty="0"/>
+            <a:t> &amp; GDP</a:t>
+          </a:r>
+          <a:endParaRPr lang="en-US" dirty="0"/>
         </a:p>
       </dgm:t>
     </dgm:pt>
@@ -1186,10 +1309,49 @@
         <a:lstStyle/>
         <a:p>
           <a:r>
-            <a:rPr lang="de-DE"/>
-            <a:t>Analysis: Via plot, analysis via regression</a:t>
+            <a:rPr lang="de-DE" dirty="0"/>
+            <a:t>Analysis: Via Scatterplot, stat. </a:t>
           </a:r>
-          <a:endParaRPr lang="en-US"/>
+          <a:r>
+            <a:rPr lang="de-DE" dirty="0" err="1"/>
+            <a:t>analysis</a:t>
+          </a:r>
+          <a:r>
+            <a:rPr lang="de-DE" dirty="0"/>
+            <a:t> via </a:t>
+          </a:r>
+          <a:r>
+            <a:rPr lang="de-DE" dirty="0" err="1"/>
+            <a:t>regression</a:t>
+          </a:r>
+          <a:r>
+            <a:rPr lang="de-DE" dirty="0"/>
+            <a:t>, </a:t>
+          </a:r>
+          <a:r>
+            <a:rPr lang="de-DE" dirty="0" err="1"/>
+            <a:t>comparison</a:t>
+          </a:r>
+          <a:r>
+            <a:rPr lang="de-DE" dirty="0"/>
+            <a:t> </a:t>
+          </a:r>
+          <a:r>
+            <a:rPr lang="de-DE" dirty="0" err="1"/>
+            <a:t>between</a:t>
+          </a:r>
+          <a:r>
+            <a:rPr lang="de-DE" dirty="0"/>
+            <a:t> </a:t>
+          </a:r>
+          <a:r>
+            <a:rPr lang="de-DE" dirty="0" err="1"/>
+            <a:t>years</a:t>
+          </a:r>
+          <a:r>
+            <a:rPr lang="de-DE" dirty="0"/>
+            <a:t> (2020, 2021)</a:t>
+          </a:r>
         </a:p>
       </dgm:t>
     </dgm:pt>
@@ -1441,12 +1603,12 @@
         </a:fontRef>
       </dsp:style>
       <dsp:txBody>
-        <a:bodyPr spcFirstLastPara="0" vert="horz" wrap="square" lIns="128016" tIns="128016" rIns="128016" bIns="128016" numCol="1" spcCol="1270" anchor="ctr" anchorCtr="0">
+        <a:bodyPr spcFirstLastPara="0" vert="horz" wrap="square" lIns="135128" tIns="135128" rIns="135128" bIns="135128" numCol="1" spcCol="1270" anchor="ctr" anchorCtr="0">
           <a:noAutofit/>
         </a:bodyPr>
         <a:lstStyle/>
         <a:p>
-          <a:pPr marL="0" lvl="0" indent="0" algn="ctr" defTabSz="800100">
+          <a:pPr marL="0" lvl="0" indent="0" algn="ctr" defTabSz="844550">
             <a:lnSpc>
               <a:spcPct val="90000"/>
             </a:lnSpc>
@@ -1459,10 +1621,10 @@
             <a:buNone/>
           </a:pPr>
           <a:r>
-            <a:rPr lang="de-DE" sz="1800" kern="1200"/>
+            <a:rPr lang="de-DE" sz="1900" kern="1200"/>
             <a:t>Visualisation: yet to be decided, current decision: scatterplot (see next slide as an example)</a:t>
           </a:r>
-          <a:endParaRPr lang="en-US" sz="1800" kern="1200"/>
+          <a:endParaRPr lang="en-US" sz="1900" kern="1200"/>
         </a:p>
       </dsp:txBody>
       <dsp:txXfrm>
@@ -1520,12 +1682,12 @@
         </a:fontRef>
       </dsp:style>
       <dsp:txBody>
-        <a:bodyPr spcFirstLastPara="0" vert="horz" wrap="square" lIns="128016" tIns="128016" rIns="128016" bIns="128016" numCol="1" spcCol="1270" anchor="ctr" anchorCtr="0">
+        <a:bodyPr spcFirstLastPara="0" vert="horz" wrap="square" lIns="135128" tIns="135128" rIns="135128" bIns="135128" numCol="1" spcCol="1270" anchor="ctr" anchorCtr="0">
           <a:noAutofit/>
         </a:bodyPr>
         <a:lstStyle/>
         <a:p>
-          <a:pPr marL="0" lvl="0" indent="0" algn="ctr" defTabSz="800100">
+          <a:pPr marL="0" lvl="0" indent="0" algn="ctr" defTabSz="844550">
             <a:lnSpc>
               <a:spcPct val="90000"/>
             </a:lnSpc>
@@ -1538,10 +1700,49 @@
             <a:buNone/>
           </a:pPr>
           <a:r>
-            <a:rPr lang="de-DE" sz="1800" kern="1200"/>
-            <a:t>Analysis: Via plot, analysis via regression</a:t>
+            <a:rPr lang="de-DE" sz="1900" kern="1200" dirty="0"/>
+            <a:t>Analysis: Via Scatterplot, stat. </a:t>
           </a:r>
-          <a:endParaRPr lang="en-US" sz="1800" kern="1200"/>
+          <a:r>
+            <a:rPr lang="de-DE" sz="1900" kern="1200" dirty="0" err="1"/>
+            <a:t>analysis</a:t>
+          </a:r>
+          <a:r>
+            <a:rPr lang="de-DE" sz="1900" kern="1200" dirty="0"/>
+            <a:t> via </a:t>
+          </a:r>
+          <a:r>
+            <a:rPr lang="de-DE" sz="1900" kern="1200" dirty="0" err="1"/>
+            <a:t>regression</a:t>
+          </a:r>
+          <a:r>
+            <a:rPr lang="de-DE" sz="1900" kern="1200" dirty="0"/>
+            <a:t>, </a:t>
+          </a:r>
+          <a:r>
+            <a:rPr lang="de-DE" sz="1900" kern="1200" dirty="0" err="1"/>
+            <a:t>comparison</a:t>
+          </a:r>
+          <a:r>
+            <a:rPr lang="de-DE" sz="1900" kern="1200" dirty="0"/>
+            <a:t> </a:t>
+          </a:r>
+          <a:r>
+            <a:rPr lang="de-DE" sz="1900" kern="1200" dirty="0" err="1"/>
+            <a:t>between</a:t>
+          </a:r>
+          <a:r>
+            <a:rPr lang="de-DE" sz="1900" kern="1200" dirty="0"/>
+            <a:t> </a:t>
+          </a:r>
+          <a:r>
+            <a:rPr lang="de-DE" sz="1900" kern="1200" dirty="0" err="1"/>
+            <a:t>years</a:t>
+          </a:r>
+          <a:r>
+            <a:rPr lang="de-DE" sz="1900" kern="1200" dirty="0"/>
+            <a:t> (2020, 2021)</a:t>
+          </a:r>
         </a:p>
       </dsp:txBody>
       <dsp:txXfrm rot="10800000">
@@ -1599,12 +1800,12 @@
         </a:fontRef>
       </dsp:style>
       <dsp:txBody>
-        <a:bodyPr spcFirstLastPara="0" vert="horz" wrap="square" lIns="128016" tIns="128016" rIns="128016" bIns="128016" numCol="1" spcCol="1270" anchor="ctr" anchorCtr="0">
+        <a:bodyPr spcFirstLastPara="0" vert="horz" wrap="square" lIns="135128" tIns="135128" rIns="135128" bIns="135128" numCol="1" spcCol="1270" anchor="ctr" anchorCtr="0">
           <a:noAutofit/>
         </a:bodyPr>
         <a:lstStyle/>
         <a:p>
-          <a:pPr marL="0" lvl="0" indent="0" algn="ctr" defTabSz="800100">
+          <a:pPr marL="0" lvl="0" indent="0" algn="ctr" defTabSz="844550">
             <a:lnSpc>
               <a:spcPct val="90000"/>
             </a:lnSpc>
@@ -1617,10 +1818,10 @@
             <a:buNone/>
           </a:pPr>
           <a:r>
-            <a:rPr lang="de-DE" sz="1800" kern="1200"/>
+            <a:rPr lang="de-DE" sz="1900" kern="1200"/>
             <a:t>Variables:</a:t>
           </a:r>
-          <a:endParaRPr lang="en-US" sz="1800" kern="1200"/>
+          <a:endParaRPr lang="en-US" sz="1900" kern="1200"/>
         </a:p>
       </dsp:txBody>
       <dsp:txXfrm rot="-10800000">
@@ -1680,12 +1881,12 @@
         <a:fontRef idx="minor"/>
       </dsp:style>
       <dsp:txBody>
-        <a:bodyPr spcFirstLastPara="0" vert="horz" wrap="square" lIns="99568" tIns="17780" rIns="99568" bIns="17780" numCol="1" spcCol="1270" anchor="ctr" anchorCtr="0">
+        <a:bodyPr spcFirstLastPara="0" vert="horz" wrap="square" lIns="92456" tIns="16510" rIns="92456" bIns="16510" numCol="1" spcCol="1270" anchor="ctr" anchorCtr="0">
           <a:noAutofit/>
         </a:bodyPr>
         <a:lstStyle/>
         <a:p>
-          <a:pPr marL="0" lvl="0" indent="0" algn="ctr" defTabSz="622300">
+          <a:pPr marL="0" lvl="0" indent="0" algn="ctr" defTabSz="577850">
             <a:lnSpc>
               <a:spcPct val="90000"/>
             </a:lnSpc>
@@ -1698,20 +1899,24 @@
             <a:buNone/>
           </a:pPr>
           <a:r>
-            <a:rPr lang="de-DE" sz="1400" kern="1200"/>
-            <a:t>X </a:t>
+            <a:rPr lang="de-DE" sz="1300" kern="1200" dirty="0"/>
+            <a:t>X (IV) </a:t>
           </a:r>
           <a:r>
-            <a:rPr lang="de-DE" sz="1400" kern="1200">
+            <a:rPr lang="de-DE" sz="1300" kern="1200" dirty="0">
               <a:sym typeface="Wingdings" panose="05000000000000000000" pitchFamily="2" charset="2"/>
             </a:rPr>
             <a:t></a:t>
           </a:r>
           <a:r>
-            <a:rPr lang="de-DE" sz="1400" kern="1200"/>
-            <a:t> Stringency</a:t>
+            <a:rPr lang="de-DE" sz="1300" kern="1200" dirty="0"/>
+            <a:t> </a:t>
           </a:r>
-          <a:endParaRPr lang="en-US" sz="1400" kern="1200"/>
+          <a:r>
+            <a:rPr lang="de-DE" sz="1300" kern="1200" dirty="0" err="1"/>
+            <a:t>Stringency</a:t>
+          </a:r>
+          <a:endParaRPr lang="en-US" sz="1300" kern="1200" dirty="0"/>
         </a:p>
       </dsp:txBody>
       <dsp:txXfrm>
@@ -1771,12 +1976,12 @@
         <a:fontRef idx="minor"/>
       </dsp:style>
       <dsp:txBody>
-        <a:bodyPr spcFirstLastPara="0" vert="horz" wrap="square" lIns="99568" tIns="17780" rIns="99568" bIns="17780" numCol="1" spcCol="1270" anchor="ctr" anchorCtr="0">
+        <a:bodyPr spcFirstLastPara="0" vert="horz" wrap="square" lIns="92456" tIns="16510" rIns="92456" bIns="16510" numCol="1" spcCol="1270" anchor="ctr" anchorCtr="0">
           <a:noAutofit/>
         </a:bodyPr>
         <a:lstStyle/>
         <a:p>
-          <a:pPr marL="0" lvl="0" indent="0" algn="ctr" defTabSz="622300">
+          <a:pPr marL="0" lvl="0" indent="0" algn="ctr" defTabSz="577850">
             <a:lnSpc>
               <a:spcPct val="90000"/>
             </a:lnSpc>
@@ -1789,20 +1994,44 @@
             <a:buNone/>
           </a:pPr>
           <a:r>
-            <a:rPr lang="de-DE" sz="1400" kern="1200"/>
-            <a:t>Y </a:t>
+            <a:rPr lang="de-DE" sz="1300" kern="1200" dirty="0"/>
+            <a:t>Y(DV) </a:t>
           </a:r>
           <a:r>
-            <a:rPr lang="de-DE" sz="1400" kern="1200">
+            <a:rPr lang="de-DE" sz="1300" kern="1200" dirty="0">
               <a:sym typeface="Wingdings" panose="05000000000000000000" pitchFamily="2" charset="2"/>
             </a:rPr>
             <a:t></a:t>
           </a:r>
           <a:r>
-            <a:rPr lang="de-DE" sz="1400" kern="1200"/>
-            <a:t> Covid-19 Deaths (total or percentage)</a:t>
+            <a:rPr lang="de-DE" sz="1300" kern="1200" dirty="0"/>
+            <a:t> Covid-19 </a:t>
           </a:r>
-          <a:endParaRPr lang="en-US" sz="1400" kern="1200"/>
+          <a:r>
+            <a:rPr lang="de-DE" sz="1300" kern="1200" dirty="0" err="1"/>
+            <a:t>Deaths</a:t>
+          </a:r>
+          <a:r>
+            <a:rPr lang="de-DE" sz="1300" kern="1200" dirty="0"/>
+            <a:t> (total </a:t>
+          </a:r>
+          <a:r>
+            <a:rPr lang="de-DE" sz="1300" kern="1200" dirty="0" err="1"/>
+            <a:t>or</a:t>
+          </a:r>
+          <a:r>
+            <a:rPr lang="de-DE" sz="1300" kern="1200" dirty="0"/>
+            <a:t> </a:t>
+          </a:r>
+          <a:r>
+            <a:rPr lang="de-DE" sz="1300" kern="1200" dirty="0" err="1"/>
+            <a:t>percentage</a:t>
+          </a:r>
+          <a:r>
+            <a:rPr lang="de-DE" sz="1300" kern="1200" dirty="0"/>
+            <a:t>)</a:t>
+          </a:r>
+          <a:endParaRPr lang="en-US" sz="1300" kern="1200" dirty="0"/>
         </a:p>
       </dsp:txBody>
       <dsp:txXfrm>
@@ -1862,12 +2091,12 @@
         <a:fontRef idx="minor"/>
       </dsp:style>
       <dsp:txBody>
-        <a:bodyPr spcFirstLastPara="0" vert="horz" wrap="square" lIns="99568" tIns="17780" rIns="99568" bIns="17780" numCol="1" spcCol="1270" anchor="ctr" anchorCtr="0">
+        <a:bodyPr spcFirstLastPara="0" vert="horz" wrap="square" lIns="92456" tIns="16510" rIns="92456" bIns="16510" numCol="1" spcCol="1270" anchor="ctr" anchorCtr="0">
           <a:noAutofit/>
         </a:bodyPr>
         <a:lstStyle/>
         <a:p>
-          <a:pPr marL="0" lvl="0" indent="0" algn="ctr" defTabSz="622300">
+          <a:pPr marL="0" lvl="0" indent="0" algn="ctr" defTabSz="577850">
             <a:lnSpc>
               <a:spcPct val="90000"/>
             </a:lnSpc>
@@ -1880,20 +2109,28 @@
             <a:buNone/>
           </a:pPr>
           <a:r>
-            <a:rPr lang="de-DE" sz="1400" kern="1200"/>
+            <a:rPr lang="de-DE" sz="1300" kern="1200" dirty="0"/>
             <a:t>Moderators </a:t>
           </a:r>
           <a:r>
-            <a:rPr lang="de-DE" sz="1400" kern="1200">
+            <a:rPr lang="de-DE" sz="1300" kern="1200" dirty="0">
               <a:sym typeface="Wingdings" panose="05000000000000000000" pitchFamily="2" charset="2"/>
             </a:rPr>
             <a:t></a:t>
           </a:r>
           <a:r>
-            <a:rPr lang="de-DE" sz="1400" kern="1200"/>
-            <a:t> Happiness &amp; GDP</a:t>
+            <a:rPr lang="de-DE" sz="1300" kern="1200" dirty="0"/>
+            <a:t> </a:t>
           </a:r>
-          <a:endParaRPr lang="en-US" sz="1400" kern="1200"/>
+          <a:r>
+            <a:rPr lang="de-DE" sz="1300" kern="1200" dirty="0" err="1"/>
+            <a:t>Happiness</a:t>
+          </a:r>
+          <a:r>
+            <a:rPr lang="de-DE" sz="1300" kern="1200" dirty="0"/>
+            <a:t> &amp; GDP</a:t>
+          </a:r>
+          <a:endParaRPr lang="en-US" sz="1300" kern="1200" dirty="0"/>
         </a:p>
       </dsp:txBody>
       <dsp:txXfrm>
@@ -1951,12 +2188,12 @@
         </a:fontRef>
       </dsp:style>
       <dsp:txBody>
-        <a:bodyPr spcFirstLastPara="0" vert="horz" wrap="square" lIns="128016" tIns="128016" rIns="128016" bIns="128016" numCol="1" spcCol="1270" anchor="ctr" anchorCtr="0">
+        <a:bodyPr spcFirstLastPara="0" vert="horz" wrap="square" lIns="135128" tIns="135128" rIns="135128" bIns="135128" numCol="1" spcCol="1270" anchor="ctr" anchorCtr="0">
           <a:noAutofit/>
         </a:bodyPr>
         <a:lstStyle/>
         <a:p>
-          <a:pPr marL="0" lvl="0" indent="0" algn="ctr" defTabSz="800100">
+          <a:pPr marL="0" lvl="0" indent="0" algn="ctr" defTabSz="844550">
             <a:lnSpc>
               <a:spcPct val="90000"/>
             </a:lnSpc>
@@ -1969,10 +2206,10 @@
             <a:buNone/>
           </a:pPr>
           <a:r>
-            <a:rPr lang="de-DE" sz="1800" kern="1200"/>
+            <a:rPr lang="de-DE" sz="1900" kern="1200"/>
             <a:t>Data: from Kaggle, Johns Hopkins University</a:t>
           </a:r>
-          <a:endParaRPr lang="en-US" sz="1800" kern="1200"/>
+          <a:endParaRPr lang="en-US" sz="1900" kern="1200"/>
         </a:p>
       </dsp:txBody>
       <dsp:txXfrm rot="10800000">
@@ -3518,7 +3755,7 @@
           <a:p>
             <a:fld id="{6A4B53A7-3209-46A6-9454-F38EAC8F11E7}" type="datetimeFigureOut">
               <a:rPr lang="en-US" smtClean="0"/>
-              <a:t>3/23/2023</a:t>
+              <a:t>3/24/2023</a:t>
             </a:fld>
             <a:endParaRPr lang="en-US"/>
           </a:p>
@@ -3769,7 +4006,7 @@
           <a:p>
             <a:fld id="{6A4B53A7-3209-46A6-9454-F38EAC8F11E7}" type="datetimeFigureOut">
               <a:rPr lang="en-US" smtClean="0"/>
-              <a:t>3/23/2023</a:t>
+              <a:t>3/24/2023</a:t>
             </a:fld>
             <a:endParaRPr lang="en-US"/>
           </a:p>
@@ -4030,7 +4267,7 @@
           <a:p>
             <a:fld id="{6A4B53A7-3209-46A6-9454-F38EAC8F11E7}" type="datetimeFigureOut">
               <a:rPr lang="en-US" smtClean="0"/>
-              <a:t>3/23/2023</a:t>
+              <a:t>3/24/2023</a:t>
             </a:fld>
             <a:endParaRPr lang="en-US"/>
           </a:p>
@@ -4281,7 +4518,7 @@
           <a:p>
             <a:fld id="{6A4B53A7-3209-46A6-9454-F38EAC8F11E7}" type="datetimeFigureOut">
               <a:rPr lang="en-US" smtClean="0"/>
-              <a:t>3/23/2023</a:t>
+              <a:t>3/24/2023</a:t>
             </a:fld>
             <a:endParaRPr lang="en-US"/>
           </a:p>
@@ -4609,7 +4846,7 @@
           <a:p>
             <a:fld id="{6A4B53A7-3209-46A6-9454-F38EAC8F11E7}" type="datetimeFigureOut">
               <a:rPr lang="en-US" smtClean="0"/>
-              <a:t>3/23/2023</a:t>
+              <a:t>3/24/2023</a:t>
             </a:fld>
             <a:endParaRPr lang="en-US"/>
           </a:p>
@@ -4927,7 +5164,7 @@
           <a:p>
             <a:fld id="{6A4B53A7-3209-46A6-9454-F38EAC8F11E7}" type="datetimeFigureOut">
               <a:rPr lang="en-US" smtClean="0"/>
-              <a:t>3/23/2023</a:t>
+              <a:t>3/24/2023</a:t>
             </a:fld>
             <a:endParaRPr lang="en-US"/>
           </a:p>
@@ -5392,7 +5629,7 @@
           <a:p>
             <a:fld id="{6A4B53A7-3209-46A6-9454-F38EAC8F11E7}" type="datetimeFigureOut">
               <a:rPr lang="en-US" smtClean="0"/>
-              <a:t>3/23/2023</a:t>
+              <a:t>3/24/2023</a:t>
             </a:fld>
             <a:endParaRPr lang="en-US"/>
           </a:p>
@@ -5586,7 +5823,7 @@
           <a:p>
             <a:fld id="{6A4B53A7-3209-46A6-9454-F38EAC8F11E7}" type="datetimeFigureOut">
               <a:rPr lang="en-US" smtClean="0"/>
-              <a:t>3/23/2023</a:t>
+              <a:t>3/24/2023</a:t>
             </a:fld>
             <a:endParaRPr lang="en-US"/>
           </a:p>
@@ -5752,7 +5989,7 @@
           <a:p>
             <a:fld id="{6A4B53A7-3209-46A6-9454-F38EAC8F11E7}" type="datetimeFigureOut">
               <a:rPr lang="en-US" smtClean="0"/>
-              <a:t>3/23/2023</a:t>
+              <a:t>3/24/2023</a:t>
             </a:fld>
             <a:endParaRPr lang="en-US"/>
           </a:p>
@@ -6116,7 +6353,7 @@
           <a:p>
             <a:fld id="{6A4B53A7-3209-46A6-9454-F38EAC8F11E7}" type="datetimeFigureOut">
               <a:rPr lang="en-US" smtClean="0"/>
-              <a:t>3/23/2023</a:t>
+              <a:t>3/24/2023</a:t>
             </a:fld>
             <a:endParaRPr lang="en-US"/>
           </a:p>
@@ -6460,7 +6697,7 @@
           <a:p>
             <a:fld id="{6A4B53A7-3209-46A6-9454-F38EAC8F11E7}" type="datetimeFigureOut">
               <a:rPr lang="en-US" smtClean="0"/>
-              <a:t>3/23/2023</a:t>
+              <a:t>3/24/2023</a:t>
             </a:fld>
             <a:endParaRPr lang="en-US"/>
           </a:p>
@@ -6755,7 +6992,7 @@
             <a:fld id="{6A4B53A7-3209-46A6-9454-F38EAC8F11E7}" type="datetimeFigureOut">
               <a:rPr lang="en-US" smtClean="0"/>
               <a:pPr/>
-              <a:t>3/23/2023</a:t>
+              <a:t>3/24/2023</a:t>
             </a:fld>
             <a:endParaRPr lang="en-US" dirty="0"/>
           </a:p>
@@ -7672,7 +7909,7 @@
             <p:ph idx="1"/>
             <p:extLst>
               <p:ext uri="{D42A27DB-BD31-4B8C-83A1-F6EECF244321}">
-                <p14:modId xmlns:p14="http://schemas.microsoft.com/office/powerpoint/2010/main" val="4252490257"/>
+                <p14:modId xmlns:p14="http://schemas.microsoft.com/office/powerpoint/2010/main" val="1875330715"/>
               </p:ext>
             </p:extLst>
           </p:nvPr>
@@ -8879,8 +9116,8 @@
         </p:blipFill>
         <p:spPr>
           <a:xfrm>
-            <a:off x="7475618" y="3504381"/>
-            <a:ext cx="4711828" cy="3353619"/>
+            <a:off x="7475618" y="3553014"/>
+            <a:ext cx="4711828" cy="3304986"/>
           </a:xfrm>
           <a:prstGeom prst="rect">
             <a:avLst/>
@@ -8927,6 +9164,784 @@
     <p:extLst>
       <p:ext uri="{BB962C8B-B14F-4D97-AF65-F5344CB8AC3E}">
         <p14:creationId xmlns:p14="http://schemas.microsoft.com/office/powerpoint/2010/main" val="3595903169"/>
+      </p:ext>
+    </p:extLst>
+  </p:cSld>
+  <p:clrMapOvr>
+    <a:masterClrMapping/>
+  </p:clrMapOvr>
+</p:sld>
+</file>
+
+<file path=ppt/slides/slide4.xml><?xml version="1.0" encoding="utf-8"?>
+<p:sld xmlns:a="http://schemas.openxmlformats.org/drawingml/2006/main" xmlns:r="http://schemas.openxmlformats.org/officeDocument/2006/relationships" xmlns:p="http://schemas.openxmlformats.org/presentationml/2006/main">
+  <p:cSld>
+    <p:bg>
+      <p:bgPr>
+        <a:solidFill>
+          <a:schemeClr val="bg1"/>
+        </a:solidFill>
+        <a:effectLst/>
+      </p:bgPr>
+    </p:bg>
+    <p:spTree>
+      <p:nvGrpSpPr>
+        <p:cNvPr id="1" name=""/>
+        <p:cNvGrpSpPr/>
+        <p:nvPr/>
+      </p:nvGrpSpPr>
+      <p:grpSpPr>
+        <a:xfrm>
+          <a:off x="0" y="0"/>
+          <a:ext cx="0" cy="0"/>
+          <a:chOff x="0" y="0"/>
+          <a:chExt cx="0" cy="0"/>
+        </a:xfrm>
+      </p:grpSpPr>
+      <p:cxnSp>
+        <p:nvCxnSpPr>
+          <p:cNvPr id="9" name="Straight Connector 8">
+            <a:extLst>
+              <a:ext uri="{FF2B5EF4-FFF2-40B4-BE49-F238E27FC236}">
+                <a16:creationId xmlns:a16="http://schemas.microsoft.com/office/drawing/2014/main" id="{D1B787A8-0D67-4B7E-9B48-86BD906AB6B5}"/>
+              </a:ext>
+              <a:ext uri="{C183D7F6-B498-43B3-948B-1728B52AA6E4}">
+                <adec:decorative xmlns:adec="http://schemas.microsoft.com/office/drawing/2017/decorative" val="1"/>
+              </a:ext>
+            </a:extLst>
+          </p:cNvPr>
+          <p:cNvCxnSpPr>
+            <a:cxnSpLocks noGrp="1" noRot="1" noChangeAspect="1" noMove="1" noResize="1" noEditPoints="1" noAdjustHandles="1" noChangeArrowheads="1" noChangeShapeType="1"/>
+          </p:cNvCxnSpPr>
+          <p:nvPr>
+            <p:extLst>
+              <p:ext uri="{386F3935-93C4-4BCD-93E2-E3B085C9AB24}">
+                <p16:designElem xmlns:p16="http://schemas.microsoft.com/office/powerpoint/2015/main" val="1"/>
+              </p:ext>
+            </p:extLst>
+          </p:nvPr>
+        </p:nvCxnSpPr>
+        <p:spPr>
+          <a:xfrm>
+            <a:off x="715890" y="1114050"/>
+            <a:ext cx="0" cy="5735637"/>
+          </a:xfrm>
+          <a:prstGeom prst="line">
+            <a:avLst/>
+          </a:prstGeom>
+          <a:ln w="25400" cap="sq">
+            <a:gradFill flip="none" rotWithShape="1">
+              <a:gsLst>
+                <a:gs pos="0">
+                  <a:schemeClr val="accent2"/>
+                </a:gs>
+                <a:gs pos="100000">
+                  <a:schemeClr val="accent4"/>
+                </a:gs>
+              </a:gsLst>
+              <a:lin ang="16200000" scaled="1"/>
+              <a:tileRect/>
+            </a:gradFill>
+            <a:bevel/>
+          </a:ln>
+        </p:spPr>
+        <p:style>
+          <a:lnRef idx="1">
+            <a:schemeClr val="accent1"/>
+          </a:lnRef>
+          <a:fillRef idx="0">
+            <a:schemeClr val="accent1"/>
+          </a:fillRef>
+          <a:effectRef idx="0">
+            <a:schemeClr val="accent1"/>
+          </a:effectRef>
+          <a:fontRef idx="minor">
+            <a:schemeClr val="tx1"/>
+          </a:fontRef>
+        </p:style>
+      </p:cxnSp>
+      <p:sp>
+        <p:nvSpPr>
+          <p:cNvPr id="11" name="Rectangle 10">
+            <a:extLst>
+              <a:ext uri="{FF2B5EF4-FFF2-40B4-BE49-F238E27FC236}">
+                <a16:creationId xmlns:a16="http://schemas.microsoft.com/office/drawing/2014/main" id="{158B3569-73B2-4D05-8E95-886A6EE17F1F}"/>
+              </a:ext>
+              <a:ext uri="{C183D7F6-B498-43B3-948B-1728B52AA6E4}">
+                <adec:decorative xmlns:adec="http://schemas.microsoft.com/office/drawing/2017/decorative" val="1"/>
+              </a:ext>
+            </a:extLst>
+          </p:cNvPr>
+          <p:cNvSpPr>
+            <a:spLocks noGrp="1" noRot="1" noChangeAspect="1" noMove="1" noResize="1" noEditPoints="1" noAdjustHandles="1" noChangeArrowheads="1" noChangeShapeType="1" noTextEdit="1"/>
+          </p:cNvSpPr>
+          <p:nvPr>
+            <p:extLst>
+              <p:ext uri="{386F3935-93C4-4BCD-93E2-E3B085C9AB24}">
+                <p16:designElem xmlns:p16="http://schemas.microsoft.com/office/powerpoint/2015/main" val="1"/>
+              </p:ext>
+            </p:extLst>
+          </p:nvPr>
+        </p:nvSpPr>
+        <p:spPr>
+          <a:xfrm>
+            <a:off x="0" y="0"/>
+            <a:ext cx="12192000" cy="6858000"/>
+          </a:xfrm>
+          <a:prstGeom prst="rect">
+            <a:avLst/>
+          </a:prstGeom>
+          <a:gradFill flip="none" rotWithShape="1">
+            <a:gsLst>
+              <a:gs pos="100000">
+                <a:schemeClr val="accent4"/>
+              </a:gs>
+              <a:gs pos="0">
+                <a:schemeClr val="accent2"/>
+              </a:gs>
+            </a:gsLst>
+            <a:lin ang="2700000" scaled="1"/>
+            <a:tileRect/>
+          </a:gradFill>
+          <a:ln>
+            <a:noFill/>
+          </a:ln>
+        </p:spPr>
+        <p:style>
+          <a:lnRef idx="2">
+            <a:schemeClr val="accent1">
+              <a:shade val="50000"/>
+            </a:schemeClr>
+          </a:lnRef>
+          <a:fillRef idx="1">
+            <a:schemeClr val="accent1"/>
+          </a:fillRef>
+          <a:effectRef idx="0">
+            <a:schemeClr val="accent1"/>
+          </a:effectRef>
+          <a:fontRef idx="minor">
+            <a:schemeClr val="lt1"/>
+          </a:fontRef>
+        </p:style>
+        <p:txBody>
+          <a:bodyPr rtlCol="0" anchor="ctr"/>
+          <a:lstStyle/>
+          <a:p>
+            <a:pPr algn="ctr"/>
+            <a:endParaRPr lang="en-US"/>
+          </a:p>
+        </p:txBody>
+      </p:sp>
+      <p:sp>
+        <p:nvSpPr>
+          <p:cNvPr id="2" name="Titel 1">
+            <a:extLst>
+              <a:ext uri="{FF2B5EF4-FFF2-40B4-BE49-F238E27FC236}">
+                <a16:creationId xmlns:a16="http://schemas.microsoft.com/office/drawing/2014/main" id="{EBF9F182-8CEC-9758-F3EE-14AC6C5787B6}"/>
+              </a:ext>
+            </a:extLst>
+          </p:cNvPr>
+          <p:cNvSpPr>
+            <a:spLocks noGrp="1"/>
+          </p:cNvSpPr>
+          <p:nvPr>
+            <p:ph type="title"/>
+          </p:nvPr>
+        </p:nvSpPr>
+        <p:spPr>
+          <a:xfrm>
+            <a:off x="793159" y="1377146"/>
+            <a:ext cx="3608242" cy="3626217"/>
+          </a:xfrm>
+        </p:spPr>
+        <p:txBody>
+          <a:bodyPr vert="horz" lIns="91440" tIns="45720" rIns="91440" bIns="45720" rtlCol="0" anchor="b">
+            <a:normAutofit/>
+          </a:bodyPr>
+          <a:lstStyle/>
+          <a:p>
+            <a:pPr algn="r"/>
+            <a:r>
+              <a:rPr lang="en-US" sz="3400" b="1" i="0" kern="1200" cap="all" baseline="0" dirty="0">
+                <a:solidFill>
+                  <a:schemeClr val="bg1"/>
+                </a:solidFill>
+                <a:latin typeface="+mj-lt"/>
+                <a:ea typeface="+mj-ea"/>
+                <a:cs typeface="+mj-cs"/>
+              </a:rPr>
+              <a:t>Potential Combination of GDP and Happiness</a:t>
+            </a:r>
+          </a:p>
+        </p:txBody>
+      </p:sp>
+      <p:pic>
+        <p:nvPicPr>
+          <p:cNvPr id="4" name="Grafik 3" descr="Ein Bild, das Diagramm enthält.&#10;&#10;Automatisch generierte Beschreibung">
+            <a:extLst>
+              <a:ext uri="{FF2B5EF4-FFF2-40B4-BE49-F238E27FC236}">
+                <a16:creationId xmlns:a16="http://schemas.microsoft.com/office/drawing/2014/main" id="{94038461-BAA5-4FE8-C949-2D1CF47B840F}"/>
+              </a:ext>
+            </a:extLst>
+          </p:cNvPr>
+          <p:cNvPicPr>
+            <a:picLocks noChangeAspect="1"/>
+          </p:cNvPicPr>
+          <p:nvPr/>
+        </p:nvPicPr>
+        <p:blipFill>
+          <a:blip r:embed="rId2">
+            <a:alphaModFix/>
+            <a:extLst>
+              <a:ext uri="{28A0092B-C50C-407E-A947-70E740481C1C}">
+                <a14:useLocalDpi xmlns:a14="http://schemas.microsoft.com/office/drawing/2010/main" val="0"/>
+              </a:ext>
+            </a:extLst>
+          </a:blip>
+          <a:stretch>
+            <a:fillRect/>
+          </a:stretch>
+        </p:blipFill>
+        <p:spPr>
+          <a:xfrm>
+            <a:off x="4688018" y="0"/>
+            <a:ext cx="7503982" cy="6434920"/>
+          </a:xfrm>
+          <a:prstGeom prst="rect">
+            <a:avLst/>
+          </a:prstGeom>
+        </p:spPr>
+      </p:pic>
+      <p:sp>
+        <p:nvSpPr>
+          <p:cNvPr id="13" name="Graphic 17">
+            <a:extLst>
+              <a:ext uri="{FF2B5EF4-FFF2-40B4-BE49-F238E27FC236}">
+                <a16:creationId xmlns:a16="http://schemas.microsoft.com/office/drawing/2014/main" id="{B71758F4-3F46-45DA-8AC5-4E508DA080BA}"/>
+              </a:ext>
+              <a:ext uri="{C183D7F6-B498-43B3-948B-1728B52AA6E4}">
+                <adec:decorative xmlns:adec="http://schemas.microsoft.com/office/drawing/2017/decorative" val="1"/>
+              </a:ext>
+            </a:extLst>
+          </p:cNvPr>
+          <p:cNvSpPr>
+            <a:spLocks noGrp="1" noRot="1" noChangeAspect="1" noMove="1" noResize="1" noEditPoints="1" noAdjustHandles="1" noChangeArrowheads="1" noChangeShapeType="1" noTextEdit="1"/>
+          </p:cNvSpPr>
+          <p:nvPr>
+            <p:extLst>
+              <p:ext uri="{386F3935-93C4-4BCD-93E2-E3B085C9AB24}">
+                <p16:designElem xmlns:p16="http://schemas.microsoft.com/office/powerpoint/2015/main" val="1"/>
+              </p:ext>
+            </p:extLst>
+          </p:nvPr>
+        </p:nvSpPr>
+        <p:spPr>
+          <a:xfrm>
+            <a:off x="10957738" y="814999"/>
+            <a:ext cx="139039" cy="139039"/>
+          </a:xfrm>
+          <a:custGeom>
+            <a:avLst/>
+            <a:gdLst>
+              <a:gd name="connsiteX0" fmla="*/ 129602 w 139039"/>
+              <a:gd name="connsiteY0" fmla="*/ 60082 h 139039"/>
+              <a:gd name="connsiteX1" fmla="*/ 78957 w 139039"/>
+              <a:gd name="connsiteY1" fmla="*/ 60082 h 139039"/>
+              <a:gd name="connsiteX2" fmla="*/ 78957 w 139039"/>
+              <a:gd name="connsiteY2" fmla="*/ 9437 h 139039"/>
+              <a:gd name="connsiteX3" fmla="*/ 69520 w 139039"/>
+              <a:gd name="connsiteY3" fmla="*/ 0 h 139039"/>
+              <a:gd name="connsiteX4" fmla="*/ 60082 w 139039"/>
+              <a:gd name="connsiteY4" fmla="*/ 9437 h 139039"/>
+              <a:gd name="connsiteX5" fmla="*/ 60082 w 139039"/>
+              <a:gd name="connsiteY5" fmla="*/ 60082 h 139039"/>
+              <a:gd name="connsiteX6" fmla="*/ 9437 w 139039"/>
+              <a:gd name="connsiteY6" fmla="*/ 60082 h 139039"/>
+              <a:gd name="connsiteX7" fmla="*/ 0 w 139039"/>
+              <a:gd name="connsiteY7" fmla="*/ 69520 h 139039"/>
+              <a:gd name="connsiteX8" fmla="*/ 9437 w 139039"/>
+              <a:gd name="connsiteY8" fmla="*/ 78957 h 139039"/>
+              <a:gd name="connsiteX9" fmla="*/ 60082 w 139039"/>
+              <a:gd name="connsiteY9" fmla="*/ 78957 h 139039"/>
+              <a:gd name="connsiteX10" fmla="*/ 60082 w 139039"/>
+              <a:gd name="connsiteY10" fmla="*/ 129602 h 139039"/>
+              <a:gd name="connsiteX11" fmla="*/ 69520 w 139039"/>
+              <a:gd name="connsiteY11" fmla="*/ 139039 h 139039"/>
+              <a:gd name="connsiteX12" fmla="*/ 78957 w 139039"/>
+              <a:gd name="connsiteY12" fmla="*/ 129602 h 139039"/>
+              <a:gd name="connsiteX13" fmla="*/ 78957 w 139039"/>
+              <a:gd name="connsiteY13" fmla="*/ 78957 h 139039"/>
+              <a:gd name="connsiteX14" fmla="*/ 129602 w 139039"/>
+              <a:gd name="connsiteY14" fmla="*/ 78957 h 139039"/>
+              <a:gd name="connsiteX15" fmla="*/ 139039 w 139039"/>
+              <a:gd name="connsiteY15" fmla="*/ 69520 h 139039"/>
+              <a:gd name="connsiteX16" fmla="*/ 129602 w 139039"/>
+              <a:gd name="connsiteY16" fmla="*/ 60082 h 139039"/>
+            </a:gdLst>
+            <a:ahLst/>
+            <a:cxnLst>
+              <a:cxn ang="0">
+                <a:pos x="connsiteX0" y="connsiteY0"/>
+              </a:cxn>
+              <a:cxn ang="0">
+                <a:pos x="connsiteX1" y="connsiteY1"/>
+              </a:cxn>
+              <a:cxn ang="0">
+                <a:pos x="connsiteX2" y="connsiteY2"/>
+              </a:cxn>
+              <a:cxn ang="0">
+                <a:pos x="connsiteX3" y="connsiteY3"/>
+              </a:cxn>
+              <a:cxn ang="0">
+                <a:pos x="connsiteX4" y="connsiteY4"/>
+              </a:cxn>
+              <a:cxn ang="0">
+                <a:pos x="connsiteX5" y="connsiteY5"/>
+              </a:cxn>
+              <a:cxn ang="0">
+                <a:pos x="connsiteX6" y="connsiteY6"/>
+              </a:cxn>
+              <a:cxn ang="0">
+                <a:pos x="connsiteX7" y="connsiteY7"/>
+              </a:cxn>
+              <a:cxn ang="0">
+                <a:pos x="connsiteX8" y="connsiteY8"/>
+              </a:cxn>
+              <a:cxn ang="0">
+                <a:pos x="connsiteX9" y="connsiteY9"/>
+              </a:cxn>
+              <a:cxn ang="0">
+                <a:pos x="connsiteX10" y="connsiteY10"/>
+              </a:cxn>
+              <a:cxn ang="0">
+                <a:pos x="connsiteX11" y="connsiteY11"/>
+              </a:cxn>
+              <a:cxn ang="0">
+                <a:pos x="connsiteX12" y="connsiteY12"/>
+              </a:cxn>
+              <a:cxn ang="0">
+                <a:pos x="connsiteX13" y="connsiteY13"/>
+              </a:cxn>
+              <a:cxn ang="0">
+                <a:pos x="connsiteX14" y="connsiteY14"/>
+              </a:cxn>
+              <a:cxn ang="0">
+                <a:pos x="connsiteX15" y="connsiteY15"/>
+              </a:cxn>
+              <a:cxn ang="0">
+                <a:pos x="connsiteX16" y="connsiteY16"/>
+              </a:cxn>
+            </a:cxnLst>
+            <a:rect l="l" t="t" r="r" b="b"/>
+            <a:pathLst>
+              <a:path w="139039" h="139039">
+                <a:moveTo>
+                  <a:pt x="129602" y="60082"/>
+                </a:moveTo>
+                <a:lnTo>
+                  <a:pt x="78957" y="60082"/>
+                </a:lnTo>
+                <a:lnTo>
+                  <a:pt x="78957" y="9437"/>
+                </a:lnTo>
+                <a:cubicBezTo>
+                  <a:pt x="78957" y="4225"/>
+                  <a:pt x="74731" y="0"/>
+                  <a:pt x="69520" y="0"/>
+                </a:cubicBezTo>
+                <a:cubicBezTo>
+                  <a:pt x="64308" y="0"/>
+                  <a:pt x="60082" y="4225"/>
+                  <a:pt x="60082" y="9437"/>
+                </a:cubicBezTo>
+                <a:lnTo>
+                  <a:pt x="60082" y="60082"/>
+                </a:lnTo>
+                <a:lnTo>
+                  <a:pt x="9437" y="60082"/>
+                </a:lnTo>
+                <a:cubicBezTo>
+                  <a:pt x="4225" y="60082"/>
+                  <a:pt x="0" y="64308"/>
+                  <a:pt x="0" y="69520"/>
+                </a:cubicBezTo>
+                <a:cubicBezTo>
+                  <a:pt x="0" y="74731"/>
+                  <a:pt x="4225" y="78957"/>
+                  <a:pt x="9437" y="78957"/>
+                </a:cubicBezTo>
+                <a:lnTo>
+                  <a:pt x="60082" y="78957"/>
+                </a:lnTo>
+                <a:lnTo>
+                  <a:pt x="60082" y="129602"/>
+                </a:lnTo>
+                <a:cubicBezTo>
+                  <a:pt x="60082" y="134814"/>
+                  <a:pt x="64308" y="139039"/>
+                  <a:pt x="69520" y="139039"/>
+                </a:cubicBezTo>
+                <a:cubicBezTo>
+                  <a:pt x="74731" y="139039"/>
+                  <a:pt x="78957" y="134814"/>
+                  <a:pt x="78957" y="129602"/>
+                </a:cubicBezTo>
+                <a:lnTo>
+                  <a:pt x="78957" y="78957"/>
+                </a:lnTo>
+                <a:lnTo>
+                  <a:pt x="129602" y="78957"/>
+                </a:lnTo>
+                <a:cubicBezTo>
+                  <a:pt x="134814" y="78957"/>
+                  <a:pt x="139039" y="74731"/>
+                  <a:pt x="139039" y="69520"/>
+                </a:cubicBezTo>
+                <a:cubicBezTo>
+                  <a:pt x="139039" y="64308"/>
+                  <a:pt x="134814" y="60082"/>
+                  <a:pt x="129602" y="60082"/>
+                </a:cubicBezTo>
+                <a:close/>
+              </a:path>
+            </a:pathLst>
+          </a:custGeom>
+          <a:solidFill>
+            <a:schemeClr val="bg1"/>
+          </a:solidFill>
+          <a:ln w="603" cap="flat">
+            <a:noFill/>
+            <a:prstDash val="solid"/>
+            <a:miter/>
+          </a:ln>
+        </p:spPr>
+        <p:txBody>
+          <a:bodyPr rtlCol="0" anchor="ctr"/>
+          <a:lstStyle/>
+          <a:p>
+            <a:endParaRPr lang="en-US"/>
+          </a:p>
+        </p:txBody>
+      </p:sp>
+      <p:sp>
+        <p:nvSpPr>
+          <p:cNvPr id="15" name="Graphic 15">
+            <a:extLst>
+              <a:ext uri="{FF2B5EF4-FFF2-40B4-BE49-F238E27FC236}">
+                <a16:creationId xmlns:a16="http://schemas.microsoft.com/office/drawing/2014/main" id="{8550FED7-7C32-42BB-98DB-30272A6331A9}"/>
+              </a:ext>
+              <a:ext uri="{C183D7F6-B498-43B3-948B-1728B52AA6E4}">
+                <adec:decorative xmlns:adec="http://schemas.microsoft.com/office/drawing/2017/decorative" val="1"/>
+              </a:ext>
+            </a:extLst>
+          </p:cNvPr>
+          <p:cNvSpPr>
+            <a:spLocks noGrp="1" noRot="1" noChangeAspect="1" noMove="1" noResize="1" noEditPoints="1" noAdjustHandles="1" noChangeArrowheads="1" noChangeShapeType="1" noTextEdit="1"/>
+          </p:cNvSpPr>
+          <p:nvPr>
+            <p:extLst>
+              <p:ext uri="{386F3935-93C4-4BCD-93E2-E3B085C9AB24}">
+                <p16:designElem xmlns:p16="http://schemas.microsoft.com/office/powerpoint/2015/main" val="1"/>
+              </p:ext>
+            </p:extLst>
+          </p:nvPr>
+        </p:nvSpPr>
+        <p:spPr>
+          <a:xfrm>
+            <a:off x="11316518" y="1044294"/>
+            <a:ext cx="91138" cy="91138"/>
+          </a:xfrm>
+          <a:custGeom>
+            <a:avLst/>
+            <a:gdLst>
+              <a:gd name="connsiteX0" fmla="*/ 91138 w 91138"/>
+              <a:gd name="connsiteY0" fmla="*/ 45569 h 91138"/>
+              <a:gd name="connsiteX1" fmla="*/ 45569 w 91138"/>
+              <a:gd name="connsiteY1" fmla="*/ 91138 h 91138"/>
+              <a:gd name="connsiteX2" fmla="*/ 0 w 91138"/>
+              <a:gd name="connsiteY2" fmla="*/ 45569 h 91138"/>
+              <a:gd name="connsiteX3" fmla="*/ 45569 w 91138"/>
+              <a:gd name="connsiteY3" fmla="*/ 0 h 91138"/>
+              <a:gd name="connsiteX4" fmla="*/ 91138 w 91138"/>
+              <a:gd name="connsiteY4" fmla="*/ 45569 h 91138"/>
+            </a:gdLst>
+            <a:ahLst/>
+            <a:cxnLst>
+              <a:cxn ang="0">
+                <a:pos x="connsiteX0" y="connsiteY0"/>
+              </a:cxn>
+              <a:cxn ang="0">
+                <a:pos x="connsiteX1" y="connsiteY1"/>
+              </a:cxn>
+              <a:cxn ang="0">
+                <a:pos x="connsiteX2" y="connsiteY2"/>
+              </a:cxn>
+              <a:cxn ang="0">
+                <a:pos x="connsiteX3" y="connsiteY3"/>
+              </a:cxn>
+              <a:cxn ang="0">
+                <a:pos x="connsiteX4" y="connsiteY4"/>
+              </a:cxn>
+            </a:cxnLst>
+            <a:rect l="l" t="t" r="r" b="b"/>
+            <a:pathLst>
+              <a:path w="91138" h="91138">
+                <a:moveTo>
+                  <a:pt x="91138" y="45569"/>
+                </a:moveTo>
+                <a:cubicBezTo>
+                  <a:pt x="91138" y="70736"/>
+                  <a:pt x="70736" y="91138"/>
+                  <a:pt x="45569" y="91138"/>
+                </a:cubicBezTo>
+                <a:cubicBezTo>
+                  <a:pt x="20402" y="91138"/>
+                  <a:pt x="0" y="70736"/>
+                  <a:pt x="0" y="45569"/>
+                </a:cubicBezTo>
+                <a:cubicBezTo>
+                  <a:pt x="0" y="20402"/>
+                  <a:pt x="20402" y="0"/>
+                  <a:pt x="45569" y="0"/>
+                </a:cubicBezTo>
+                <a:cubicBezTo>
+                  <a:pt x="70736" y="0"/>
+                  <a:pt x="91138" y="20402"/>
+                  <a:pt x="91138" y="45569"/>
+                </a:cubicBezTo>
+                <a:close/>
+              </a:path>
+            </a:pathLst>
+          </a:custGeom>
+          <a:solidFill>
+            <a:schemeClr val="bg1"/>
+          </a:solidFill>
+          <a:ln w="422" cap="flat">
+            <a:noFill/>
+            <a:prstDash val="solid"/>
+            <a:miter/>
+          </a:ln>
+        </p:spPr>
+        <p:txBody>
+          <a:bodyPr rtlCol="0" anchor="ctr"/>
+          <a:lstStyle/>
+          <a:p>
+            <a:endParaRPr lang="en-US"/>
+          </a:p>
+        </p:txBody>
+      </p:sp>
+      <p:sp>
+        <p:nvSpPr>
+          <p:cNvPr id="17" name="Graphic 21">
+            <a:extLst>
+              <a:ext uri="{FF2B5EF4-FFF2-40B4-BE49-F238E27FC236}">
+                <a16:creationId xmlns:a16="http://schemas.microsoft.com/office/drawing/2014/main" id="{8D61482F-F3C5-4D66-8C5D-C6BBE3E1275C}"/>
+              </a:ext>
+              <a:ext uri="{C183D7F6-B498-43B3-948B-1728B52AA6E4}">
+                <adec:decorative xmlns:adec="http://schemas.microsoft.com/office/drawing/2017/decorative" val="1"/>
+              </a:ext>
+            </a:extLst>
+          </p:cNvPr>
+          <p:cNvSpPr>
+            <a:spLocks noGrp="1" noRot="1" noChangeAspect="1" noMove="1" noResize="1" noEditPoints="1" noAdjustHandles="1" noChangeArrowheads="1" noChangeShapeType="1" noTextEdit="1"/>
+          </p:cNvSpPr>
+          <p:nvPr>
+            <p:extLst>
+              <p:ext uri="{386F3935-93C4-4BCD-93E2-E3B085C9AB24}">
+                <p16:designElem xmlns:p16="http://schemas.microsoft.com/office/powerpoint/2015/main" val="1"/>
+              </p:ext>
+            </p:extLst>
+          </p:nvPr>
+        </p:nvSpPr>
+        <p:spPr>
+          <a:xfrm>
+            <a:off x="10942198" y="1268720"/>
+            <a:ext cx="127714" cy="127714"/>
+          </a:xfrm>
+          <a:custGeom>
+            <a:avLst/>
+            <a:gdLst>
+              <a:gd name="connsiteX0" fmla="*/ 63857 w 127714"/>
+              <a:gd name="connsiteY0" fmla="*/ 18874 h 127714"/>
+              <a:gd name="connsiteX1" fmla="*/ 108840 w 127714"/>
+              <a:gd name="connsiteY1" fmla="*/ 63857 h 127714"/>
+              <a:gd name="connsiteX2" fmla="*/ 63857 w 127714"/>
+              <a:gd name="connsiteY2" fmla="*/ 108840 h 127714"/>
+              <a:gd name="connsiteX3" fmla="*/ 18874 w 127714"/>
+              <a:gd name="connsiteY3" fmla="*/ 63857 h 127714"/>
+              <a:gd name="connsiteX4" fmla="*/ 63857 w 127714"/>
+              <a:gd name="connsiteY4" fmla="*/ 18874 h 127714"/>
+              <a:gd name="connsiteX5" fmla="*/ 63857 w 127714"/>
+              <a:gd name="connsiteY5" fmla="*/ 0 h 127714"/>
+              <a:gd name="connsiteX6" fmla="*/ 0 w 127714"/>
+              <a:gd name="connsiteY6" fmla="*/ 63857 h 127714"/>
+              <a:gd name="connsiteX7" fmla="*/ 63857 w 127714"/>
+              <a:gd name="connsiteY7" fmla="*/ 127714 h 127714"/>
+              <a:gd name="connsiteX8" fmla="*/ 127714 w 127714"/>
+              <a:gd name="connsiteY8" fmla="*/ 63857 h 127714"/>
+              <a:gd name="connsiteX9" fmla="*/ 63857 w 127714"/>
+              <a:gd name="connsiteY9" fmla="*/ 0 h 127714"/>
+            </a:gdLst>
+            <a:ahLst/>
+            <a:cxnLst>
+              <a:cxn ang="0">
+                <a:pos x="connsiteX0" y="connsiteY0"/>
+              </a:cxn>
+              <a:cxn ang="0">
+                <a:pos x="connsiteX1" y="connsiteY1"/>
+              </a:cxn>
+              <a:cxn ang="0">
+                <a:pos x="connsiteX2" y="connsiteY2"/>
+              </a:cxn>
+              <a:cxn ang="0">
+                <a:pos x="connsiteX3" y="connsiteY3"/>
+              </a:cxn>
+              <a:cxn ang="0">
+                <a:pos x="connsiteX4" y="connsiteY4"/>
+              </a:cxn>
+              <a:cxn ang="0">
+                <a:pos x="connsiteX5" y="connsiteY5"/>
+              </a:cxn>
+              <a:cxn ang="0">
+                <a:pos x="connsiteX6" y="connsiteY6"/>
+              </a:cxn>
+              <a:cxn ang="0">
+                <a:pos x="connsiteX7" y="connsiteY7"/>
+              </a:cxn>
+              <a:cxn ang="0">
+                <a:pos x="connsiteX8" y="connsiteY8"/>
+              </a:cxn>
+              <a:cxn ang="0">
+                <a:pos x="connsiteX9" y="connsiteY9"/>
+              </a:cxn>
+            </a:cxnLst>
+            <a:rect l="l" t="t" r="r" b="b"/>
+            <a:pathLst>
+              <a:path w="127714" h="127714">
+                <a:moveTo>
+                  <a:pt x="63857" y="18874"/>
+                </a:moveTo>
+                <a:cubicBezTo>
+                  <a:pt x="88700" y="18874"/>
+                  <a:pt x="108840" y="39014"/>
+                  <a:pt x="108840" y="63857"/>
+                </a:cubicBezTo>
+                <a:cubicBezTo>
+                  <a:pt x="108840" y="88700"/>
+                  <a:pt x="88700" y="108840"/>
+                  <a:pt x="63857" y="108840"/>
+                </a:cubicBezTo>
+                <a:cubicBezTo>
+                  <a:pt x="39014" y="108840"/>
+                  <a:pt x="18874" y="88700"/>
+                  <a:pt x="18874" y="63857"/>
+                </a:cubicBezTo>
+                <a:cubicBezTo>
+                  <a:pt x="18898" y="39024"/>
+                  <a:pt x="39024" y="18898"/>
+                  <a:pt x="63857" y="18874"/>
+                </a:cubicBezTo>
+                <a:moveTo>
+                  <a:pt x="63857" y="0"/>
+                </a:moveTo>
+                <a:cubicBezTo>
+                  <a:pt x="28590" y="0"/>
+                  <a:pt x="0" y="28590"/>
+                  <a:pt x="0" y="63857"/>
+                </a:cubicBezTo>
+                <a:cubicBezTo>
+                  <a:pt x="0" y="99124"/>
+                  <a:pt x="28590" y="127714"/>
+                  <a:pt x="63857" y="127714"/>
+                </a:cubicBezTo>
+                <a:cubicBezTo>
+                  <a:pt x="99124" y="127714"/>
+                  <a:pt x="127714" y="99124"/>
+                  <a:pt x="127714" y="63857"/>
+                </a:cubicBezTo>
+                <a:cubicBezTo>
+                  <a:pt x="127714" y="28590"/>
+                  <a:pt x="99124" y="0"/>
+                  <a:pt x="63857" y="0"/>
+                </a:cubicBezTo>
+                <a:close/>
+              </a:path>
+            </a:pathLst>
+          </a:custGeom>
+          <a:solidFill>
+            <a:schemeClr val="bg1"/>
+          </a:solidFill>
+          <a:ln w="610" cap="flat">
+            <a:noFill/>
+            <a:prstDash val="solid"/>
+            <a:miter/>
+          </a:ln>
+        </p:spPr>
+        <p:txBody>
+          <a:bodyPr rtlCol="0" anchor="ctr"/>
+          <a:lstStyle/>
+          <a:p>
+            <a:endParaRPr lang="en-US"/>
+          </a:p>
+        </p:txBody>
+      </p:sp>
+      <p:cxnSp>
+        <p:nvCxnSpPr>
+          <p:cNvPr id="19" name="Straight Connector 18">
+            <a:extLst>
+              <a:ext uri="{FF2B5EF4-FFF2-40B4-BE49-F238E27FC236}">
+                <a16:creationId xmlns:a16="http://schemas.microsoft.com/office/drawing/2014/main" id="{56020367-4FD5-4596-8E10-C5F095CD8DBF}"/>
+              </a:ext>
+              <a:ext uri="{C183D7F6-B498-43B3-948B-1728B52AA6E4}">
+                <adec:decorative xmlns:adec="http://schemas.microsoft.com/office/drawing/2017/decorative" val="1"/>
+              </a:ext>
+            </a:extLst>
+          </p:cNvPr>
+          <p:cNvCxnSpPr>
+            <a:cxnSpLocks noGrp="1" noRot="1" noChangeAspect="1" noMove="1" noResize="1" noEditPoints="1" noAdjustHandles="1" noChangeArrowheads="1" noChangeShapeType="1"/>
+          </p:cNvCxnSpPr>
+          <p:nvPr>
+            <p:extLst>
+              <p:ext uri="{386F3935-93C4-4BCD-93E2-E3B085C9AB24}">
+                <p16:designElem xmlns:p16="http://schemas.microsoft.com/office/powerpoint/2015/main" val="1"/>
+              </p:ext>
+            </p:extLst>
+          </p:nvPr>
+        </p:nvCxnSpPr>
+        <p:spPr>
+          <a:xfrm flipH="1">
+            <a:off x="829322" y="6274341"/>
+            <a:ext cx="11353800" cy="0"/>
+          </a:xfrm>
+          <a:prstGeom prst="line">
+            <a:avLst/>
+          </a:prstGeom>
+          <a:ln w="25400" cap="sq">
+            <a:solidFill>
+              <a:schemeClr val="bg1"/>
+            </a:solidFill>
+            <a:bevel/>
+          </a:ln>
+        </p:spPr>
+        <p:style>
+          <a:lnRef idx="1">
+            <a:schemeClr val="accent1"/>
+          </a:lnRef>
+          <a:fillRef idx="0">
+            <a:schemeClr val="accent1"/>
+          </a:fillRef>
+          <a:effectRef idx="0">
+            <a:schemeClr val="accent1"/>
+          </a:effectRef>
+          <a:fontRef idx="minor">
+            <a:schemeClr val="tx1"/>
+          </a:fontRef>
+        </p:style>
+      </p:cxnSp>
+    </p:spTree>
+    <p:extLst>
+      <p:ext uri="{BB962C8B-B14F-4D97-AF65-F5344CB8AC3E}">
+        <p14:creationId xmlns:p14="http://schemas.microsoft.com/office/powerpoint/2010/main" val="3531093916"/>
       </p:ext>
     </p:extLst>
   </p:cSld>

--- a/R.jpeg_with_methods.pptx
+++ b/R.jpeg_with_methods.pptx
@@ -118,7 +118,7 @@
 <file path=ppt/revisionInfo.xml><?xml version="1.0" encoding="utf-8"?>
 <p1510:revInfo xmlns:a="http://schemas.openxmlformats.org/drawingml/2006/main" xmlns:r="http://schemas.openxmlformats.org/officeDocument/2006/relationships" xmlns:p1510="http://schemas.microsoft.com/office/powerpoint/2015/10/main">
   <p1510:revLst>
-    <p1510:client id="{97142EA6-B62B-45B9-99A0-53A46E66ECDC}" v="203" dt="2023-03-24T07:29:19.337"/>
+    <p1510:client id="{97142EA6-B62B-45B9-99A0-53A46E66ECDC}" v="204" dt="2023-03-24T07:49:23.712"/>
   </p1510:revLst>
 </p1510:revInfo>
 </file>
@@ -128,7 +128,7 @@
   <pc:docChgLst>
     <pc:chgData name="Benjamin Strusch" userId="d4ceea4940c51958" providerId="LiveId" clId="{97142EA6-B62B-45B9-99A0-53A46E66ECDC}"/>
     <pc:docChg chg="custSel addSld modSld">
-      <pc:chgData name="Benjamin Strusch" userId="d4ceea4940c51958" providerId="LiveId" clId="{97142EA6-B62B-45B9-99A0-53A46E66ECDC}" dt="2023-03-24T07:29:19.336" v="277" actId="20577"/>
+      <pc:chgData name="Benjamin Strusch" userId="d4ceea4940c51958" providerId="LiveId" clId="{97142EA6-B62B-45B9-99A0-53A46E66ECDC}" dt="2023-03-24T07:49:23.712" v="278" actId="20577"/>
       <pc:docMkLst>
         <pc:docMk/>
       </pc:docMkLst>
@@ -164,13 +164,13 @@
         </pc:picChg>
       </pc:sldChg>
       <pc:sldChg chg="modSp">
-        <pc:chgData name="Benjamin Strusch" userId="d4ceea4940c51958" providerId="LiveId" clId="{97142EA6-B62B-45B9-99A0-53A46E66ECDC}" dt="2023-03-24T07:29:19.336" v="277" actId="20577"/>
+        <pc:chgData name="Benjamin Strusch" userId="d4ceea4940c51958" providerId="LiveId" clId="{97142EA6-B62B-45B9-99A0-53A46E66ECDC}" dt="2023-03-24T07:49:23.712" v="278" actId="20577"/>
         <pc:sldMkLst>
           <pc:docMk/>
           <pc:sldMk cId="1790380873" sldId="258"/>
         </pc:sldMkLst>
         <pc:graphicFrameChg chg="mod">
-          <ac:chgData name="Benjamin Strusch" userId="d4ceea4940c51958" providerId="LiveId" clId="{97142EA6-B62B-45B9-99A0-53A46E66ECDC}" dt="2023-03-24T07:29:19.336" v="277" actId="20577"/>
+          <ac:chgData name="Benjamin Strusch" userId="d4ceea4940c51958" providerId="LiveId" clId="{97142EA6-B62B-45B9-99A0-53A46E66ECDC}" dt="2023-03-24T07:49:23.712" v="278" actId="20577"/>
           <ac:graphicFrameMkLst>
             <pc:docMk/>
             <pc:sldMk cId="1790380873" sldId="258"/>
@@ -1095,10 +1095,10 @@
         <a:lstStyle/>
         <a:p>
           <a:r>
-            <a:rPr lang="de-DE"/>
-            <a:t>Variables:</a:t>
+            <a:rPr lang="de-DE" dirty="0"/>
+            <a:t>Variables</a:t>
           </a:r>
-          <a:endParaRPr lang="en-US"/>
+          <a:endParaRPr lang="en-US" dirty="0"/>
         </a:p>
       </dgm:t>
     </dgm:pt>
@@ -1603,12 +1603,12 @@
         </a:fontRef>
       </dsp:style>
       <dsp:txBody>
-        <a:bodyPr spcFirstLastPara="0" vert="horz" wrap="square" lIns="135128" tIns="135128" rIns="135128" bIns="135128" numCol="1" spcCol="1270" anchor="ctr" anchorCtr="0">
+        <a:bodyPr spcFirstLastPara="0" vert="horz" wrap="square" lIns="128016" tIns="128016" rIns="128016" bIns="128016" numCol="1" spcCol="1270" anchor="ctr" anchorCtr="0">
           <a:noAutofit/>
         </a:bodyPr>
         <a:lstStyle/>
         <a:p>
-          <a:pPr marL="0" lvl="0" indent="0" algn="ctr" defTabSz="844550">
+          <a:pPr marL="0" lvl="0" indent="0" algn="ctr" defTabSz="800100">
             <a:lnSpc>
               <a:spcPct val="90000"/>
             </a:lnSpc>
@@ -1621,10 +1621,10 @@
             <a:buNone/>
           </a:pPr>
           <a:r>
-            <a:rPr lang="de-DE" sz="1900" kern="1200"/>
+            <a:rPr lang="de-DE" sz="1800" kern="1200"/>
             <a:t>Visualisation: yet to be decided, current decision: scatterplot (see next slide as an example)</a:t>
           </a:r>
-          <a:endParaRPr lang="en-US" sz="1900" kern="1200"/>
+          <a:endParaRPr lang="en-US" sz="1800" kern="1200"/>
         </a:p>
       </dsp:txBody>
       <dsp:txXfrm>
@@ -1682,12 +1682,12 @@
         </a:fontRef>
       </dsp:style>
       <dsp:txBody>
-        <a:bodyPr spcFirstLastPara="0" vert="horz" wrap="square" lIns="135128" tIns="135128" rIns="135128" bIns="135128" numCol="1" spcCol="1270" anchor="ctr" anchorCtr="0">
+        <a:bodyPr spcFirstLastPara="0" vert="horz" wrap="square" lIns="128016" tIns="128016" rIns="128016" bIns="128016" numCol="1" spcCol="1270" anchor="ctr" anchorCtr="0">
           <a:noAutofit/>
         </a:bodyPr>
         <a:lstStyle/>
         <a:p>
-          <a:pPr marL="0" lvl="0" indent="0" algn="ctr" defTabSz="844550">
+          <a:pPr marL="0" lvl="0" indent="0" algn="ctr" defTabSz="800100">
             <a:lnSpc>
               <a:spcPct val="90000"/>
             </a:lnSpc>
@@ -1700,47 +1700,47 @@
             <a:buNone/>
           </a:pPr>
           <a:r>
-            <a:rPr lang="de-DE" sz="1900" kern="1200" dirty="0"/>
+            <a:rPr lang="de-DE" sz="1800" kern="1200" dirty="0"/>
             <a:t>Analysis: Via Scatterplot, stat. </a:t>
           </a:r>
           <a:r>
-            <a:rPr lang="de-DE" sz="1900" kern="1200" dirty="0" err="1"/>
+            <a:rPr lang="de-DE" sz="1800" kern="1200" dirty="0" err="1"/>
             <a:t>analysis</a:t>
           </a:r>
           <a:r>
-            <a:rPr lang="de-DE" sz="1900" kern="1200" dirty="0"/>
+            <a:rPr lang="de-DE" sz="1800" kern="1200" dirty="0"/>
             <a:t> via </a:t>
           </a:r>
           <a:r>
-            <a:rPr lang="de-DE" sz="1900" kern="1200" dirty="0" err="1"/>
+            <a:rPr lang="de-DE" sz="1800" kern="1200" dirty="0" err="1"/>
             <a:t>regression</a:t>
           </a:r>
           <a:r>
-            <a:rPr lang="de-DE" sz="1900" kern="1200" dirty="0"/>
+            <a:rPr lang="de-DE" sz="1800" kern="1200" dirty="0"/>
             <a:t>, </a:t>
           </a:r>
           <a:r>
-            <a:rPr lang="de-DE" sz="1900" kern="1200" dirty="0" err="1"/>
+            <a:rPr lang="de-DE" sz="1800" kern="1200" dirty="0" err="1"/>
             <a:t>comparison</a:t>
           </a:r>
           <a:r>
-            <a:rPr lang="de-DE" sz="1900" kern="1200" dirty="0"/>
+            <a:rPr lang="de-DE" sz="1800" kern="1200" dirty="0"/>
             <a:t> </a:t>
           </a:r>
           <a:r>
-            <a:rPr lang="de-DE" sz="1900" kern="1200" dirty="0" err="1"/>
+            <a:rPr lang="de-DE" sz="1800" kern="1200" dirty="0" err="1"/>
             <a:t>between</a:t>
           </a:r>
           <a:r>
-            <a:rPr lang="de-DE" sz="1900" kern="1200" dirty="0"/>
+            <a:rPr lang="de-DE" sz="1800" kern="1200" dirty="0"/>
             <a:t> </a:t>
           </a:r>
           <a:r>
-            <a:rPr lang="de-DE" sz="1900" kern="1200" dirty="0" err="1"/>
+            <a:rPr lang="de-DE" sz="1800" kern="1200" dirty="0" err="1"/>
             <a:t>years</a:t>
           </a:r>
           <a:r>
-            <a:rPr lang="de-DE" sz="1900" kern="1200" dirty="0"/>
+            <a:rPr lang="de-DE" sz="1800" kern="1200" dirty="0"/>
             <a:t> (2020, 2021)</a:t>
           </a:r>
         </a:p>
@@ -1800,12 +1800,12 @@
         </a:fontRef>
       </dsp:style>
       <dsp:txBody>
-        <a:bodyPr spcFirstLastPara="0" vert="horz" wrap="square" lIns="135128" tIns="135128" rIns="135128" bIns="135128" numCol="1" spcCol="1270" anchor="ctr" anchorCtr="0">
+        <a:bodyPr spcFirstLastPara="0" vert="horz" wrap="square" lIns="128016" tIns="128016" rIns="128016" bIns="128016" numCol="1" spcCol="1270" anchor="ctr" anchorCtr="0">
           <a:noAutofit/>
         </a:bodyPr>
         <a:lstStyle/>
         <a:p>
-          <a:pPr marL="0" lvl="0" indent="0" algn="ctr" defTabSz="844550">
+          <a:pPr marL="0" lvl="0" indent="0" algn="ctr" defTabSz="800100">
             <a:lnSpc>
               <a:spcPct val="90000"/>
             </a:lnSpc>
@@ -1818,10 +1818,10 @@
             <a:buNone/>
           </a:pPr>
           <a:r>
-            <a:rPr lang="de-DE" sz="1900" kern="1200"/>
-            <a:t>Variables:</a:t>
+            <a:rPr lang="de-DE" sz="1800" kern="1200" dirty="0"/>
+            <a:t>Variables</a:t>
           </a:r>
-          <a:endParaRPr lang="en-US" sz="1900" kern="1200"/>
+          <a:endParaRPr lang="en-US" sz="1800" kern="1200" dirty="0"/>
         </a:p>
       </dsp:txBody>
       <dsp:txXfrm rot="-10800000">
@@ -2188,12 +2188,12 @@
         </a:fontRef>
       </dsp:style>
       <dsp:txBody>
-        <a:bodyPr spcFirstLastPara="0" vert="horz" wrap="square" lIns="135128" tIns="135128" rIns="135128" bIns="135128" numCol="1" spcCol="1270" anchor="ctr" anchorCtr="0">
+        <a:bodyPr spcFirstLastPara="0" vert="horz" wrap="square" lIns="128016" tIns="128016" rIns="128016" bIns="128016" numCol="1" spcCol="1270" anchor="ctr" anchorCtr="0">
           <a:noAutofit/>
         </a:bodyPr>
         <a:lstStyle/>
         <a:p>
-          <a:pPr marL="0" lvl="0" indent="0" algn="ctr" defTabSz="844550">
+          <a:pPr marL="0" lvl="0" indent="0" algn="ctr" defTabSz="800100">
             <a:lnSpc>
               <a:spcPct val="90000"/>
             </a:lnSpc>
@@ -2206,10 +2206,10 @@
             <a:buNone/>
           </a:pPr>
           <a:r>
-            <a:rPr lang="de-DE" sz="1900" kern="1200"/>
+            <a:rPr lang="de-DE" sz="1800" kern="1200"/>
             <a:t>Data: from Kaggle, Johns Hopkins University</a:t>
           </a:r>
-          <a:endParaRPr lang="en-US" sz="1900" kern="1200"/>
+          <a:endParaRPr lang="en-US" sz="1800" kern="1200"/>
         </a:p>
       </dsp:txBody>
       <dsp:txXfrm rot="10800000">
@@ -7909,7 +7909,7 @@
             <p:ph idx="1"/>
             <p:extLst>
               <p:ext uri="{D42A27DB-BD31-4B8C-83A1-F6EECF244321}">
-                <p14:modId xmlns:p14="http://schemas.microsoft.com/office/powerpoint/2010/main" val="1875330715"/>
+                <p14:modId xmlns:p14="http://schemas.microsoft.com/office/powerpoint/2010/main" val="1146181699"/>
               </p:ext>
             </p:extLst>
           </p:nvPr>
